--- a/MiniProject#3 Presentation Slides.pptx
+++ b/MiniProject#3 Presentation Slides.pptx
@@ -1679,7 +1679,7 @@
             <a:normAutofit/>
           </a:bodyPr>
           <a:lstStyle>
-            <a:lvl1pPr lvl="0" algn="ctr">
+            <a:lvl1pPr lvl="0" rtl="0" algn="ctr">
               <a:spcBef>
                 <a:spcPts val="0"/>
               </a:spcBef>
@@ -1690,7 +1690,7 @@
               <a:buNone/>
               <a:defRPr sz="4800"/>
             </a:lvl1pPr>
-            <a:lvl2pPr lvl="1" algn="ctr">
+            <a:lvl2pPr lvl="1" rtl="0" algn="ctr">
               <a:spcBef>
                 <a:spcPts val="0"/>
               </a:spcBef>
@@ -1701,7 +1701,7 @@
               <a:buNone/>
               <a:defRPr sz="4800"/>
             </a:lvl2pPr>
-            <a:lvl3pPr lvl="2" algn="ctr">
+            <a:lvl3pPr lvl="2" rtl="0" algn="ctr">
               <a:spcBef>
                 <a:spcPts val="0"/>
               </a:spcBef>
@@ -1712,7 +1712,7 @@
               <a:buNone/>
               <a:defRPr sz="4800"/>
             </a:lvl3pPr>
-            <a:lvl4pPr lvl="3" algn="ctr">
+            <a:lvl4pPr lvl="3" rtl="0" algn="ctr">
               <a:spcBef>
                 <a:spcPts val="0"/>
               </a:spcBef>
@@ -1723,7 +1723,7 @@
               <a:buNone/>
               <a:defRPr sz="4800"/>
             </a:lvl4pPr>
-            <a:lvl5pPr lvl="4" algn="ctr">
+            <a:lvl5pPr lvl="4" rtl="0" algn="ctr">
               <a:spcBef>
                 <a:spcPts val="0"/>
               </a:spcBef>
@@ -1734,7 +1734,7 @@
               <a:buNone/>
               <a:defRPr sz="4800"/>
             </a:lvl5pPr>
-            <a:lvl6pPr lvl="5" algn="ctr">
+            <a:lvl6pPr lvl="5" rtl="0" algn="ctr">
               <a:spcBef>
                 <a:spcPts val="0"/>
               </a:spcBef>
@@ -1745,7 +1745,7 @@
               <a:buNone/>
               <a:defRPr sz="4800"/>
             </a:lvl6pPr>
-            <a:lvl7pPr lvl="6" algn="ctr">
+            <a:lvl7pPr lvl="6" rtl="0" algn="ctr">
               <a:spcBef>
                 <a:spcPts val="0"/>
               </a:spcBef>
@@ -1756,7 +1756,7 @@
               <a:buNone/>
               <a:defRPr sz="4800"/>
             </a:lvl7pPr>
-            <a:lvl8pPr lvl="7" algn="ctr">
+            <a:lvl8pPr lvl="7" rtl="0" algn="ctr">
               <a:spcBef>
                 <a:spcPts val="0"/>
               </a:spcBef>
@@ -1767,7 +1767,7 @@
               <a:buNone/>
               <a:defRPr sz="4800"/>
             </a:lvl8pPr>
-            <a:lvl9pPr lvl="8" algn="ctr">
+            <a:lvl9pPr lvl="8" rtl="0" algn="ctr">
               <a:spcBef>
                 <a:spcPts val="0"/>
               </a:spcBef>
@@ -1804,7 +1804,7 @@
             <a:normAutofit/>
           </a:bodyPr>
           <a:lstStyle>
-            <a:lvl1pPr lvl="0" algn="ctr">
+            <a:lvl1pPr lvl="0" rtl="0" algn="ctr">
               <a:lnSpc>
                 <a:spcPct val="100000"/>
               </a:lnSpc>
@@ -1818,7 +1818,7 @@
               <a:buNone/>
               <a:defRPr sz="2100"/>
             </a:lvl1pPr>
-            <a:lvl2pPr lvl="1" algn="ctr">
+            <a:lvl2pPr lvl="1" rtl="0" algn="ctr">
               <a:lnSpc>
                 <a:spcPct val="100000"/>
               </a:lnSpc>
@@ -1832,7 +1832,7 @@
               <a:buNone/>
               <a:defRPr sz="2100"/>
             </a:lvl2pPr>
-            <a:lvl3pPr lvl="2" algn="ctr">
+            <a:lvl3pPr lvl="2" rtl="0" algn="ctr">
               <a:lnSpc>
                 <a:spcPct val="100000"/>
               </a:lnSpc>
@@ -1846,7 +1846,7 @@
               <a:buNone/>
               <a:defRPr sz="2100"/>
             </a:lvl3pPr>
-            <a:lvl4pPr lvl="3" algn="ctr">
+            <a:lvl4pPr lvl="3" rtl="0" algn="ctr">
               <a:lnSpc>
                 <a:spcPct val="100000"/>
               </a:lnSpc>
@@ -1860,7 +1860,7 @@
               <a:buNone/>
               <a:defRPr sz="2100"/>
             </a:lvl4pPr>
-            <a:lvl5pPr lvl="4" algn="ctr">
+            <a:lvl5pPr lvl="4" rtl="0" algn="ctr">
               <a:lnSpc>
                 <a:spcPct val="100000"/>
               </a:lnSpc>
@@ -1874,7 +1874,7 @@
               <a:buNone/>
               <a:defRPr sz="2100"/>
             </a:lvl5pPr>
-            <a:lvl6pPr lvl="5" algn="ctr">
+            <a:lvl6pPr lvl="5" rtl="0" algn="ctr">
               <a:lnSpc>
                 <a:spcPct val="100000"/>
               </a:lnSpc>
@@ -1888,7 +1888,7 @@
               <a:buNone/>
               <a:defRPr sz="2100"/>
             </a:lvl6pPr>
-            <a:lvl7pPr lvl="6" algn="ctr">
+            <a:lvl7pPr lvl="6" rtl="0" algn="ctr">
               <a:lnSpc>
                 <a:spcPct val="100000"/>
               </a:lnSpc>
@@ -1902,7 +1902,7 @@
               <a:buNone/>
               <a:defRPr sz="2100"/>
             </a:lvl7pPr>
-            <a:lvl8pPr lvl="7" algn="ctr">
+            <a:lvl8pPr lvl="7" rtl="0" algn="ctr">
               <a:lnSpc>
                 <a:spcPct val="100000"/>
               </a:lnSpc>
@@ -1916,7 +1916,7 @@
               <a:buNone/>
               <a:defRPr sz="2100"/>
             </a:lvl8pPr>
-            <a:lvl9pPr lvl="8" algn="ctr">
+            <a:lvl9pPr lvl="8" rtl="0" algn="ctr">
               <a:lnSpc>
                 <a:spcPct val="100000"/>
               </a:lnSpc>
@@ -1956,39 +1956,39 @@
             <a:normAutofit/>
           </a:bodyPr>
           <a:lstStyle>
-            <a:lvl1pPr lvl="0">
+            <a:lvl1pPr lvl="0" rtl="0">
               <a:buNone/>
               <a:defRPr/>
             </a:lvl1pPr>
-            <a:lvl2pPr lvl="1">
+            <a:lvl2pPr lvl="1" rtl="0">
               <a:buNone/>
               <a:defRPr/>
             </a:lvl2pPr>
-            <a:lvl3pPr lvl="2">
+            <a:lvl3pPr lvl="2" rtl="0">
               <a:buNone/>
               <a:defRPr/>
             </a:lvl3pPr>
-            <a:lvl4pPr lvl="3">
+            <a:lvl4pPr lvl="3" rtl="0">
               <a:buNone/>
               <a:defRPr/>
             </a:lvl4pPr>
-            <a:lvl5pPr lvl="4">
+            <a:lvl5pPr lvl="4" rtl="0">
               <a:buNone/>
               <a:defRPr/>
             </a:lvl5pPr>
-            <a:lvl6pPr lvl="5">
+            <a:lvl6pPr lvl="5" rtl="0">
               <a:buNone/>
               <a:defRPr/>
             </a:lvl6pPr>
-            <a:lvl7pPr lvl="6">
+            <a:lvl7pPr lvl="6" rtl="0">
               <a:buNone/>
               <a:defRPr/>
             </a:lvl7pPr>
-            <a:lvl8pPr lvl="7">
+            <a:lvl8pPr lvl="7" rtl="0">
               <a:buNone/>
               <a:defRPr/>
             </a:lvl8pPr>
-            <a:lvl9pPr lvl="8">
+            <a:lvl9pPr lvl="8" rtl="0">
               <a:buNone/>
               <a:defRPr/>
             </a:lvl9pPr>
@@ -2058,7 +2058,7 @@
             <a:normAutofit/>
           </a:bodyPr>
           <a:lstStyle>
-            <a:lvl1pPr lvl="0" algn="ctr">
+            <a:lvl1pPr lvl="0" rtl="0" algn="ctr">
               <a:spcBef>
                 <a:spcPts val="0"/>
               </a:spcBef>
@@ -2069,7 +2069,7 @@
               <a:buNone/>
               <a:defRPr sz="12000"/>
             </a:lvl1pPr>
-            <a:lvl2pPr lvl="1" algn="ctr">
+            <a:lvl2pPr lvl="1" rtl="0" algn="ctr">
               <a:spcBef>
                 <a:spcPts val="0"/>
               </a:spcBef>
@@ -2080,7 +2080,7 @@
               <a:buNone/>
               <a:defRPr sz="12000"/>
             </a:lvl2pPr>
-            <a:lvl3pPr lvl="2" algn="ctr">
+            <a:lvl3pPr lvl="2" rtl="0" algn="ctr">
               <a:spcBef>
                 <a:spcPts val="0"/>
               </a:spcBef>
@@ -2091,7 +2091,7 @@
               <a:buNone/>
               <a:defRPr sz="12000"/>
             </a:lvl3pPr>
-            <a:lvl4pPr lvl="3" algn="ctr">
+            <a:lvl4pPr lvl="3" rtl="0" algn="ctr">
               <a:spcBef>
                 <a:spcPts val="0"/>
               </a:spcBef>
@@ -2102,7 +2102,7 @@
               <a:buNone/>
               <a:defRPr sz="12000"/>
             </a:lvl4pPr>
-            <a:lvl5pPr lvl="4" algn="ctr">
+            <a:lvl5pPr lvl="4" rtl="0" algn="ctr">
               <a:spcBef>
                 <a:spcPts val="0"/>
               </a:spcBef>
@@ -2113,7 +2113,7 @@
               <a:buNone/>
               <a:defRPr sz="12000"/>
             </a:lvl5pPr>
-            <a:lvl6pPr lvl="5" algn="ctr">
+            <a:lvl6pPr lvl="5" rtl="0" algn="ctr">
               <a:spcBef>
                 <a:spcPts val="0"/>
               </a:spcBef>
@@ -2124,7 +2124,7 @@
               <a:buNone/>
               <a:defRPr sz="12000"/>
             </a:lvl6pPr>
-            <a:lvl7pPr lvl="6" algn="ctr">
+            <a:lvl7pPr lvl="6" rtl="0" algn="ctr">
               <a:spcBef>
                 <a:spcPts val="0"/>
               </a:spcBef>
@@ -2135,7 +2135,7 @@
               <a:buNone/>
               <a:defRPr sz="12000"/>
             </a:lvl7pPr>
-            <a:lvl8pPr lvl="7" algn="ctr">
+            <a:lvl8pPr lvl="7" rtl="0" algn="ctr">
               <a:spcBef>
                 <a:spcPts val="0"/>
               </a:spcBef>
@@ -2146,7 +2146,7 @@
               <a:buNone/>
               <a:defRPr sz="12000"/>
             </a:lvl8pPr>
-            <a:lvl9pPr lvl="8" algn="ctr">
+            <a:lvl9pPr lvl="8" rtl="0" algn="ctr">
               <a:spcBef>
                 <a:spcPts val="0"/>
               </a:spcBef>
@@ -2187,7 +2187,7 @@
             <a:normAutofit/>
           </a:bodyPr>
           <a:lstStyle>
-            <a:lvl1pPr indent="-342900" lvl="0" marL="457200" algn="ctr">
+            <a:lvl1pPr indent="-342900" lvl="0" marL="457200" rtl="0" algn="ctr">
               <a:spcBef>
                 <a:spcPts val="0"/>
               </a:spcBef>
@@ -2198,7 +2198,7 @@
               <a:buChar char="●"/>
               <a:defRPr/>
             </a:lvl1pPr>
-            <a:lvl2pPr indent="-317500" lvl="1" marL="914400" algn="ctr">
+            <a:lvl2pPr indent="-317500" lvl="1" marL="914400" rtl="0" algn="ctr">
               <a:spcBef>
                 <a:spcPts val="0"/>
               </a:spcBef>
@@ -2209,7 +2209,7 @@
               <a:buChar char="○"/>
               <a:defRPr/>
             </a:lvl2pPr>
-            <a:lvl3pPr indent="-317500" lvl="2" marL="1371600" algn="ctr">
+            <a:lvl3pPr indent="-317500" lvl="2" marL="1371600" rtl="0" algn="ctr">
               <a:spcBef>
                 <a:spcPts val="0"/>
               </a:spcBef>
@@ -2220,7 +2220,7 @@
               <a:buChar char="■"/>
               <a:defRPr/>
             </a:lvl3pPr>
-            <a:lvl4pPr indent="-317500" lvl="3" marL="1828800" algn="ctr">
+            <a:lvl4pPr indent="-317500" lvl="3" marL="1828800" rtl="0" algn="ctr">
               <a:spcBef>
                 <a:spcPts val="0"/>
               </a:spcBef>
@@ -2231,7 +2231,7 @@
               <a:buChar char="●"/>
               <a:defRPr/>
             </a:lvl4pPr>
-            <a:lvl5pPr indent="-317500" lvl="4" marL="2286000" algn="ctr">
+            <a:lvl5pPr indent="-317500" lvl="4" marL="2286000" rtl="0" algn="ctr">
               <a:spcBef>
                 <a:spcPts val="0"/>
               </a:spcBef>
@@ -2242,7 +2242,7 @@
               <a:buChar char="○"/>
               <a:defRPr/>
             </a:lvl5pPr>
-            <a:lvl6pPr indent="-317500" lvl="5" marL="2743200" algn="ctr">
+            <a:lvl6pPr indent="-317500" lvl="5" marL="2743200" rtl="0" algn="ctr">
               <a:spcBef>
                 <a:spcPts val="0"/>
               </a:spcBef>
@@ -2253,7 +2253,7 @@
               <a:buChar char="■"/>
               <a:defRPr/>
             </a:lvl6pPr>
-            <a:lvl7pPr indent="-317500" lvl="6" marL="3200400" algn="ctr">
+            <a:lvl7pPr indent="-317500" lvl="6" marL="3200400" rtl="0" algn="ctr">
               <a:spcBef>
                 <a:spcPts val="0"/>
               </a:spcBef>
@@ -2264,7 +2264,7 @@
               <a:buChar char="●"/>
               <a:defRPr/>
             </a:lvl7pPr>
-            <a:lvl8pPr indent="-317500" lvl="7" marL="3657600" algn="ctr">
+            <a:lvl8pPr indent="-317500" lvl="7" marL="3657600" rtl="0" algn="ctr">
               <a:spcBef>
                 <a:spcPts val="0"/>
               </a:spcBef>
@@ -2275,7 +2275,7 @@
               <a:buChar char="○"/>
               <a:defRPr/>
             </a:lvl8pPr>
-            <a:lvl9pPr indent="-317500" lvl="8" marL="4114800" algn="ctr">
+            <a:lvl9pPr indent="-317500" lvl="8" marL="4114800" rtl="0" algn="ctr">
               <a:spcBef>
                 <a:spcPts val="0"/>
               </a:spcBef>
@@ -2312,39 +2312,39 @@
             <a:normAutofit/>
           </a:bodyPr>
           <a:lstStyle>
-            <a:lvl1pPr lvl="0">
+            <a:lvl1pPr lvl="0" rtl="0">
               <a:buNone/>
               <a:defRPr/>
             </a:lvl1pPr>
-            <a:lvl2pPr lvl="1">
+            <a:lvl2pPr lvl="1" rtl="0">
               <a:buNone/>
               <a:defRPr/>
             </a:lvl2pPr>
-            <a:lvl3pPr lvl="2">
+            <a:lvl3pPr lvl="2" rtl="0">
               <a:buNone/>
               <a:defRPr/>
             </a:lvl3pPr>
-            <a:lvl4pPr lvl="3">
+            <a:lvl4pPr lvl="3" rtl="0">
               <a:buNone/>
               <a:defRPr/>
             </a:lvl4pPr>
-            <a:lvl5pPr lvl="4">
+            <a:lvl5pPr lvl="4" rtl="0">
               <a:buNone/>
               <a:defRPr/>
             </a:lvl5pPr>
-            <a:lvl6pPr lvl="5">
+            <a:lvl6pPr lvl="5" rtl="0">
               <a:buNone/>
               <a:defRPr/>
             </a:lvl6pPr>
-            <a:lvl7pPr lvl="6">
+            <a:lvl7pPr lvl="6" rtl="0">
               <a:buNone/>
               <a:defRPr/>
             </a:lvl7pPr>
-            <a:lvl8pPr lvl="7">
+            <a:lvl8pPr lvl="7" rtl="0">
               <a:buNone/>
               <a:defRPr/>
             </a:lvl8pPr>
-            <a:lvl9pPr lvl="8">
+            <a:lvl9pPr lvl="8" rtl="0">
               <a:buNone/>
               <a:defRPr/>
             </a:lvl9pPr>
@@ -2414,39 +2414,39 @@
             <a:normAutofit/>
           </a:bodyPr>
           <a:lstStyle>
-            <a:lvl1pPr lvl="0">
+            <a:lvl1pPr lvl="0" rtl="0">
               <a:buNone/>
               <a:defRPr/>
             </a:lvl1pPr>
-            <a:lvl2pPr lvl="1">
+            <a:lvl2pPr lvl="1" rtl="0">
               <a:buNone/>
               <a:defRPr/>
             </a:lvl2pPr>
-            <a:lvl3pPr lvl="2">
+            <a:lvl3pPr lvl="2" rtl="0">
               <a:buNone/>
               <a:defRPr/>
             </a:lvl3pPr>
-            <a:lvl4pPr lvl="3">
+            <a:lvl4pPr lvl="3" rtl="0">
               <a:buNone/>
               <a:defRPr/>
             </a:lvl4pPr>
-            <a:lvl5pPr lvl="4">
+            <a:lvl5pPr lvl="4" rtl="0">
               <a:buNone/>
               <a:defRPr/>
             </a:lvl5pPr>
-            <a:lvl6pPr lvl="5">
+            <a:lvl6pPr lvl="5" rtl="0">
               <a:buNone/>
               <a:defRPr/>
             </a:lvl6pPr>
-            <a:lvl7pPr lvl="6">
+            <a:lvl7pPr lvl="6" rtl="0">
               <a:buNone/>
               <a:defRPr/>
             </a:lvl7pPr>
-            <a:lvl8pPr lvl="7">
+            <a:lvl8pPr lvl="7" rtl="0">
               <a:buNone/>
               <a:defRPr/>
             </a:lvl8pPr>
-            <a:lvl9pPr lvl="8">
+            <a:lvl9pPr lvl="8" rtl="0">
               <a:buNone/>
               <a:defRPr/>
             </a:lvl9pPr>
@@ -2516,7 +2516,7 @@
             <a:normAutofit/>
           </a:bodyPr>
           <a:lstStyle>
-            <a:lvl1pPr lvl="0" algn="ctr">
+            <a:lvl1pPr lvl="0" rtl="0" algn="ctr">
               <a:spcBef>
                 <a:spcPts val="0"/>
               </a:spcBef>
@@ -2527,7 +2527,7 @@
               <a:buNone/>
               <a:defRPr sz="3600"/>
             </a:lvl1pPr>
-            <a:lvl2pPr lvl="1" algn="ctr">
+            <a:lvl2pPr lvl="1" rtl="0" algn="ctr">
               <a:spcBef>
                 <a:spcPts val="0"/>
               </a:spcBef>
@@ -2538,7 +2538,7 @@
               <a:buNone/>
               <a:defRPr sz="3600"/>
             </a:lvl2pPr>
-            <a:lvl3pPr lvl="2" algn="ctr">
+            <a:lvl3pPr lvl="2" rtl="0" algn="ctr">
               <a:spcBef>
                 <a:spcPts val="0"/>
               </a:spcBef>
@@ -2549,7 +2549,7 @@
               <a:buNone/>
               <a:defRPr sz="3600"/>
             </a:lvl3pPr>
-            <a:lvl4pPr lvl="3" algn="ctr">
+            <a:lvl4pPr lvl="3" rtl="0" algn="ctr">
               <a:spcBef>
                 <a:spcPts val="0"/>
               </a:spcBef>
@@ -2560,7 +2560,7 @@
               <a:buNone/>
               <a:defRPr sz="3600"/>
             </a:lvl4pPr>
-            <a:lvl5pPr lvl="4" algn="ctr">
+            <a:lvl5pPr lvl="4" rtl="0" algn="ctr">
               <a:spcBef>
                 <a:spcPts val="0"/>
               </a:spcBef>
@@ -2571,7 +2571,7 @@
               <a:buNone/>
               <a:defRPr sz="3600"/>
             </a:lvl5pPr>
-            <a:lvl6pPr lvl="5" algn="ctr">
+            <a:lvl6pPr lvl="5" rtl="0" algn="ctr">
               <a:spcBef>
                 <a:spcPts val="0"/>
               </a:spcBef>
@@ -2582,7 +2582,7 @@
               <a:buNone/>
               <a:defRPr sz="3600"/>
             </a:lvl6pPr>
-            <a:lvl7pPr lvl="6" algn="ctr">
+            <a:lvl7pPr lvl="6" rtl="0" algn="ctr">
               <a:spcBef>
                 <a:spcPts val="0"/>
               </a:spcBef>
@@ -2593,7 +2593,7 @@
               <a:buNone/>
               <a:defRPr sz="3600"/>
             </a:lvl7pPr>
-            <a:lvl8pPr lvl="7" algn="ctr">
+            <a:lvl8pPr lvl="7" rtl="0" algn="ctr">
               <a:spcBef>
                 <a:spcPts val="0"/>
               </a:spcBef>
@@ -2604,7 +2604,7 @@
               <a:buNone/>
               <a:defRPr sz="3600"/>
             </a:lvl8pPr>
-            <a:lvl9pPr lvl="8" algn="ctr">
+            <a:lvl9pPr lvl="8" rtl="0" algn="ctr">
               <a:spcBef>
                 <a:spcPts val="0"/>
               </a:spcBef>
@@ -2641,39 +2641,39 @@
             <a:normAutofit/>
           </a:bodyPr>
           <a:lstStyle>
-            <a:lvl1pPr lvl="0">
+            <a:lvl1pPr lvl="0" rtl="0">
               <a:buNone/>
               <a:defRPr/>
             </a:lvl1pPr>
-            <a:lvl2pPr lvl="1">
+            <a:lvl2pPr lvl="1" rtl="0">
               <a:buNone/>
               <a:defRPr/>
             </a:lvl2pPr>
-            <a:lvl3pPr lvl="2">
+            <a:lvl3pPr lvl="2" rtl="0">
               <a:buNone/>
               <a:defRPr/>
             </a:lvl3pPr>
-            <a:lvl4pPr lvl="3">
+            <a:lvl4pPr lvl="3" rtl="0">
               <a:buNone/>
               <a:defRPr/>
             </a:lvl4pPr>
-            <a:lvl5pPr lvl="4">
+            <a:lvl5pPr lvl="4" rtl="0">
               <a:buNone/>
               <a:defRPr/>
             </a:lvl5pPr>
-            <a:lvl6pPr lvl="5">
+            <a:lvl6pPr lvl="5" rtl="0">
               <a:buNone/>
               <a:defRPr/>
             </a:lvl6pPr>
-            <a:lvl7pPr lvl="6">
+            <a:lvl7pPr lvl="6" rtl="0">
               <a:buNone/>
               <a:defRPr/>
             </a:lvl7pPr>
-            <a:lvl8pPr lvl="7">
+            <a:lvl8pPr lvl="7" rtl="0">
               <a:buNone/>
               <a:defRPr/>
             </a:lvl8pPr>
-            <a:lvl9pPr lvl="8">
+            <a:lvl9pPr lvl="8" rtl="0">
               <a:buNone/>
               <a:defRPr/>
             </a:lvl9pPr>
@@ -2743,7 +2743,7 @@
             <a:normAutofit/>
           </a:bodyPr>
           <a:lstStyle>
-            <a:lvl1pPr lvl="0">
+            <a:lvl1pPr lvl="0" rtl="0">
               <a:spcBef>
                 <a:spcPts val="0"/>
               </a:spcBef>
@@ -2754,7 +2754,7 @@
               <a:buNone/>
               <a:defRPr/>
             </a:lvl1pPr>
-            <a:lvl2pPr lvl="1">
+            <a:lvl2pPr lvl="1" rtl="0">
               <a:spcBef>
                 <a:spcPts val="0"/>
               </a:spcBef>
@@ -2765,7 +2765,7 @@
               <a:buNone/>
               <a:defRPr/>
             </a:lvl2pPr>
-            <a:lvl3pPr lvl="2">
+            <a:lvl3pPr lvl="2" rtl="0">
               <a:spcBef>
                 <a:spcPts val="0"/>
               </a:spcBef>
@@ -2776,7 +2776,7 @@
               <a:buNone/>
               <a:defRPr/>
             </a:lvl3pPr>
-            <a:lvl4pPr lvl="3">
+            <a:lvl4pPr lvl="3" rtl="0">
               <a:spcBef>
                 <a:spcPts val="0"/>
               </a:spcBef>
@@ -2787,7 +2787,7 @@
               <a:buNone/>
               <a:defRPr/>
             </a:lvl4pPr>
-            <a:lvl5pPr lvl="4">
+            <a:lvl5pPr lvl="4" rtl="0">
               <a:spcBef>
                 <a:spcPts val="0"/>
               </a:spcBef>
@@ -2798,7 +2798,7 @@
               <a:buNone/>
               <a:defRPr/>
             </a:lvl5pPr>
-            <a:lvl6pPr lvl="5">
+            <a:lvl6pPr lvl="5" rtl="0">
               <a:spcBef>
                 <a:spcPts val="0"/>
               </a:spcBef>
@@ -2809,7 +2809,7 @@
               <a:buNone/>
               <a:defRPr/>
             </a:lvl6pPr>
-            <a:lvl7pPr lvl="6">
+            <a:lvl7pPr lvl="6" rtl="0">
               <a:spcBef>
                 <a:spcPts val="0"/>
               </a:spcBef>
@@ -2820,7 +2820,7 @@
               <a:buNone/>
               <a:defRPr/>
             </a:lvl7pPr>
-            <a:lvl8pPr lvl="7">
+            <a:lvl8pPr lvl="7" rtl="0">
               <a:spcBef>
                 <a:spcPts val="0"/>
               </a:spcBef>
@@ -2831,7 +2831,7 @@
               <a:buNone/>
               <a:defRPr/>
             </a:lvl8pPr>
-            <a:lvl9pPr lvl="8">
+            <a:lvl9pPr lvl="8" rtl="0">
               <a:spcBef>
                 <a:spcPts val="0"/>
               </a:spcBef>
@@ -2868,7 +2868,7 @@
             <a:normAutofit/>
           </a:bodyPr>
           <a:lstStyle>
-            <a:lvl1pPr indent="-342900" lvl="0" marL="457200">
+            <a:lvl1pPr indent="-342900" lvl="0" marL="457200" rtl="0">
               <a:spcBef>
                 <a:spcPts val="0"/>
               </a:spcBef>
@@ -2879,7 +2879,7 @@
               <a:buChar char="●"/>
               <a:defRPr/>
             </a:lvl1pPr>
-            <a:lvl2pPr indent="-317500" lvl="1" marL="914400">
+            <a:lvl2pPr indent="-317500" lvl="1" marL="914400" rtl="0">
               <a:spcBef>
                 <a:spcPts val="0"/>
               </a:spcBef>
@@ -2890,7 +2890,7 @@
               <a:buChar char="○"/>
               <a:defRPr/>
             </a:lvl2pPr>
-            <a:lvl3pPr indent="-317500" lvl="2" marL="1371600">
+            <a:lvl3pPr indent="-317500" lvl="2" marL="1371600" rtl="0">
               <a:spcBef>
                 <a:spcPts val="0"/>
               </a:spcBef>
@@ -2901,7 +2901,7 @@
               <a:buChar char="■"/>
               <a:defRPr/>
             </a:lvl3pPr>
-            <a:lvl4pPr indent="-317500" lvl="3" marL="1828800">
+            <a:lvl4pPr indent="-317500" lvl="3" marL="1828800" rtl="0">
               <a:spcBef>
                 <a:spcPts val="0"/>
               </a:spcBef>
@@ -2912,7 +2912,7 @@
               <a:buChar char="●"/>
               <a:defRPr/>
             </a:lvl4pPr>
-            <a:lvl5pPr indent="-317500" lvl="4" marL="2286000">
+            <a:lvl5pPr indent="-317500" lvl="4" marL="2286000" rtl="0">
               <a:spcBef>
                 <a:spcPts val="0"/>
               </a:spcBef>
@@ -2923,7 +2923,7 @@
               <a:buChar char="○"/>
               <a:defRPr/>
             </a:lvl5pPr>
-            <a:lvl6pPr indent="-317500" lvl="5" marL="2743200">
+            <a:lvl6pPr indent="-317500" lvl="5" marL="2743200" rtl="0">
               <a:spcBef>
                 <a:spcPts val="0"/>
               </a:spcBef>
@@ -2934,7 +2934,7 @@
               <a:buChar char="■"/>
               <a:defRPr/>
             </a:lvl6pPr>
-            <a:lvl7pPr indent="-317500" lvl="6" marL="3200400">
+            <a:lvl7pPr indent="-317500" lvl="6" marL="3200400" rtl="0">
               <a:spcBef>
                 <a:spcPts val="0"/>
               </a:spcBef>
@@ -2945,7 +2945,7 @@
               <a:buChar char="●"/>
               <a:defRPr/>
             </a:lvl7pPr>
-            <a:lvl8pPr indent="-317500" lvl="7" marL="3657600">
+            <a:lvl8pPr indent="-317500" lvl="7" marL="3657600" rtl="0">
               <a:spcBef>
                 <a:spcPts val="0"/>
               </a:spcBef>
@@ -2956,7 +2956,7 @@
               <a:buChar char="○"/>
               <a:defRPr/>
             </a:lvl8pPr>
-            <a:lvl9pPr indent="-317500" lvl="8" marL="4114800">
+            <a:lvl9pPr indent="-317500" lvl="8" marL="4114800" rtl="0">
               <a:spcBef>
                 <a:spcPts val="0"/>
               </a:spcBef>
@@ -2993,39 +2993,39 @@
             <a:normAutofit/>
           </a:bodyPr>
           <a:lstStyle>
-            <a:lvl1pPr lvl="0">
+            <a:lvl1pPr lvl="0" rtl="0">
               <a:buNone/>
               <a:defRPr/>
             </a:lvl1pPr>
-            <a:lvl2pPr lvl="1">
+            <a:lvl2pPr lvl="1" rtl="0">
               <a:buNone/>
               <a:defRPr/>
             </a:lvl2pPr>
-            <a:lvl3pPr lvl="2">
+            <a:lvl3pPr lvl="2" rtl="0">
               <a:buNone/>
               <a:defRPr/>
             </a:lvl3pPr>
-            <a:lvl4pPr lvl="3">
+            <a:lvl4pPr lvl="3" rtl="0">
               <a:buNone/>
               <a:defRPr/>
             </a:lvl4pPr>
-            <a:lvl5pPr lvl="4">
+            <a:lvl5pPr lvl="4" rtl="0">
               <a:buNone/>
               <a:defRPr/>
             </a:lvl5pPr>
-            <a:lvl6pPr lvl="5">
+            <a:lvl6pPr lvl="5" rtl="0">
               <a:buNone/>
               <a:defRPr/>
             </a:lvl6pPr>
-            <a:lvl7pPr lvl="6">
+            <a:lvl7pPr lvl="6" rtl="0">
               <a:buNone/>
               <a:defRPr/>
             </a:lvl7pPr>
-            <a:lvl8pPr lvl="7">
+            <a:lvl8pPr lvl="7" rtl="0">
               <a:buNone/>
               <a:defRPr/>
             </a:lvl8pPr>
-            <a:lvl9pPr lvl="8">
+            <a:lvl9pPr lvl="8" rtl="0">
               <a:buNone/>
               <a:defRPr/>
             </a:lvl9pPr>
@@ -3095,7 +3095,7 @@
             <a:normAutofit/>
           </a:bodyPr>
           <a:lstStyle>
-            <a:lvl1pPr lvl="0">
+            <a:lvl1pPr lvl="0" rtl="0">
               <a:spcBef>
                 <a:spcPts val="0"/>
               </a:spcBef>
@@ -3106,7 +3106,7 @@
               <a:buNone/>
               <a:defRPr/>
             </a:lvl1pPr>
-            <a:lvl2pPr lvl="1">
+            <a:lvl2pPr lvl="1" rtl="0">
               <a:spcBef>
                 <a:spcPts val="0"/>
               </a:spcBef>
@@ -3117,7 +3117,7 @@
               <a:buNone/>
               <a:defRPr/>
             </a:lvl2pPr>
-            <a:lvl3pPr lvl="2">
+            <a:lvl3pPr lvl="2" rtl="0">
               <a:spcBef>
                 <a:spcPts val="0"/>
               </a:spcBef>
@@ -3128,7 +3128,7 @@
               <a:buNone/>
               <a:defRPr/>
             </a:lvl3pPr>
-            <a:lvl4pPr lvl="3">
+            <a:lvl4pPr lvl="3" rtl="0">
               <a:spcBef>
                 <a:spcPts val="0"/>
               </a:spcBef>
@@ -3139,7 +3139,7 @@
               <a:buNone/>
               <a:defRPr/>
             </a:lvl4pPr>
-            <a:lvl5pPr lvl="4">
+            <a:lvl5pPr lvl="4" rtl="0">
               <a:spcBef>
                 <a:spcPts val="0"/>
               </a:spcBef>
@@ -3150,7 +3150,7 @@
               <a:buNone/>
               <a:defRPr/>
             </a:lvl5pPr>
-            <a:lvl6pPr lvl="5">
+            <a:lvl6pPr lvl="5" rtl="0">
               <a:spcBef>
                 <a:spcPts val="0"/>
               </a:spcBef>
@@ -3161,7 +3161,7 @@
               <a:buNone/>
               <a:defRPr/>
             </a:lvl6pPr>
-            <a:lvl7pPr lvl="6">
+            <a:lvl7pPr lvl="6" rtl="0">
               <a:spcBef>
                 <a:spcPts val="0"/>
               </a:spcBef>
@@ -3172,7 +3172,7 @@
               <a:buNone/>
               <a:defRPr/>
             </a:lvl7pPr>
-            <a:lvl8pPr lvl="7">
+            <a:lvl8pPr lvl="7" rtl="0">
               <a:spcBef>
                 <a:spcPts val="0"/>
               </a:spcBef>
@@ -3183,7 +3183,7 @@
               <a:buNone/>
               <a:defRPr/>
             </a:lvl8pPr>
-            <a:lvl9pPr lvl="8">
+            <a:lvl9pPr lvl="8" rtl="0">
               <a:spcBef>
                 <a:spcPts val="0"/>
               </a:spcBef>
@@ -3220,7 +3220,7 @@
             <a:normAutofit/>
           </a:bodyPr>
           <a:lstStyle>
-            <a:lvl1pPr indent="-317500" lvl="0" marL="457200">
+            <a:lvl1pPr indent="-317500" lvl="0" marL="457200" rtl="0">
               <a:spcBef>
                 <a:spcPts val="0"/>
               </a:spcBef>
@@ -3231,7 +3231,7 @@
               <a:buChar char="●"/>
               <a:defRPr sz="1400"/>
             </a:lvl1pPr>
-            <a:lvl2pPr indent="-304800" lvl="1" marL="914400">
+            <a:lvl2pPr indent="-304800" lvl="1" marL="914400" rtl="0">
               <a:spcBef>
                 <a:spcPts val="0"/>
               </a:spcBef>
@@ -3242,7 +3242,7 @@
               <a:buChar char="○"/>
               <a:defRPr sz="1200"/>
             </a:lvl2pPr>
-            <a:lvl3pPr indent="-304800" lvl="2" marL="1371600">
+            <a:lvl3pPr indent="-304800" lvl="2" marL="1371600" rtl="0">
               <a:spcBef>
                 <a:spcPts val="0"/>
               </a:spcBef>
@@ -3253,7 +3253,7 @@
               <a:buChar char="■"/>
               <a:defRPr sz="1200"/>
             </a:lvl3pPr>
-            <a:lvl4pPr indent="-304800" lvl="3" marL="1828800">
+            <a:lvl4pPr indent="-304800" lvl="3" marL="1828800" rtl="0">
               <a:spcBef>
                 <a:spcPts val="0"/>
               </a:spcBef>
@@ -3264,7 +3264,7 @@
               <a:buChar char="●"/>
               <a:defRPr sz="1200"/>
             </a:lvl4pPr>
-            <a:lvl5pPr indent="-304800" lvl="4" marL="2286000">
+            <a:lvl5pPr indent="-304800" lvl="4" marL="2286000" rtl="0">
               <a:spcBef>
                 <a:spcPts val="0"/>
               </a:spcBef>
@@ -3275,7 +3275,7 @@
               <a:buChar char="○"/>
               <a:defRPr sz="1200"/>
             </a:lvl5pPr>
-            <a:lvl6pPr indent="-304800" lvl="5" marL="2743200">
+            <a:lvl6pPr indent="-304800" lvl="5" marL="2743200" rtl="0">
               <a:spcBef>
                 <a:spcPts val="0"/>
               </a:spcBef>
@@ -3286,7 +3286,7 @@
               <a:buChar char="■"/>
               <a:defRPr sz="1200"/>
             </a:lvl6pPr>
-            <a:lvl7pPr indent="-304800" lvl="6" marL="3200400">
+            <a:lvl7pPr indent="-304800" lvl="6" marL="3200400" rtl="0">
               <a:spcBef>
                 <a:spcPts val="0"/>
               </a:spcBef>
@@ -3297,7 +3297,7 @@
               <a:buChar char="●"/>
               <a:defRPr sz="1200"/>
             </a:lvl7pPr>
-            <a:lvl8pPr indent="-304800" lvl="7" marL="3657600">
+            <a:lvl8pPr indent="-304800" lvl="7" marL="3657600" rtl="0">
               <a:spcBef>
                 <a:spcPts val="0"/>
               </a:spcBef>
@@ -3308,7 +3308,7 @@
               <a:buChar char="○"/>
               <a:defRPr sz="1200"/>
             </a:lvl8pPr>
-            <a:lvl9pPr indent="-304800" lvl="8" marL="4114800">
+            <a:lvl9pPr indent="-304800" lvl="8" marL="4114800" rtl="0">
               <a:spcBef>
                 <a:spcPts val="0"/>
               </a:spcBef>
@@ -3345,7 +3345,7 @@
             <a:normAutofit/>
           </a:bodyPr>
           <a:lstStyle>
-            <a:lvl1pPr indent="-317500" lvl="0" marL="457200">
+            <a:lvl1pPr indent="-317500" lvl="0" marL="457200" rtl="0">
               <a:spcBef>
                 <a:spcPts val="0"/>
               </a:spcBef>
@@ -3356,7 +3356,7 @@
               <a:buChar char="●"/>
               <a:defRPr sz="1400"/>
             </a:lvl1pPr>
-            <a:lvl2pPr indent="-304800" lvl="1" marL="914400">
+            <a:lvl2pPr indent="-304800" lvl="1" marL="914400" rtl="0">
               <a:spcBef>
                 <a:spcPts val="0"/>
               </a:spcBef>
@@ -3367,7 +3367,7 @@
               <a:buChar char="○"/>
               <a:defRPr sz="1200"/>
             </a:lvl2pPr>
-            <a:lvl3pPr indent="-304800" lvl="2" marL="1371600">
+            <a:lvl3pPr indent="-304800" lvl="2" marL="1371600" rtl="0">
               <a:spcBef>
                 <a:spcPts val="0"/>
               </a:spcBef>
@@ -3378,7 +3378,7 @@
               <a:buChar char="■"/>
               <a:defRPr sz="1200"/>
             </a:lvl3pPr>
-            <a:lvl4pPr indent="-304800" lvl="3" marL="1828800">
+            <a:lvl4pPr indent="-304800" lvl="3" marL="1828800" rtl="0">
               <a:spcBef>
                 <a:spcPts val="0"/>
               </a:spcBef>
@@ -3389,7 +3389,7 @@
               <a:buChar char="●"/>
               <a:defRPr sz="1200"/>
             </a:lvl4pPr>
-            <a:lvl5pPr indent="-304800" lvl="4" marL="2286000">
+            <a:lvl5pPr indent="-304800" lvl="4" marL="2286000" rtl="0">
               <a:spcBef>
                 <a:spcPts val="0"/>
               </a:spcBef>
@@ -3400,7 +3400,7 @@
               <a:buChar char="○"/>
               <a:defRPr sz="1200"/>
             </a:lvl5pPr>
-            <a:lvl6pPr indent="-304800" lvl="5" marL="2743200">
+            <a:lvl6pPr indent="-304800" lvl="5" marL="2743200" rtl="0">
               <a:spcBef>
                 <a:spcPts val="0"/>
               </a:spcBef>
@@ -3411,7 +3411,7 @@
               <a:buChar char="■"/>
               <a:defRPr sz="1200"/>
             </a:lvl6pPr>
-            <a:lvl7pPr indent="-304800" lvl="6" marL="3200400">
+            <a:lvl7pPr indent="-304800" lvl="6" marL="3200400" rtl="0">
               <a:spcBef>
                 <a:spcPts val="0"/>
               </a:spcBef>
@@ -3422,7 +3422,7 @@
               <a:buChar char="●"/>
               <a:defRPr sz="1200"/>
             </a:lvl7pPr>
-            <a:lvl8pPr indent="-304800" lvl="7" marL="3657600">
+            <a:lvl8pPr indent="-304800" lvl="7" marL="3657600" rtl="0">
               <a:spcBef>
                 <a:spcPts val="0"/>
               </a:spcBef>
@@ -3433,7 +3433,7 @@
               <a:buChar char="○"/>
               <a:defRPr sz="1200"/>
             </a:lvl8pPr>
-            <a:lvl9pPr indent="-304800" lvl="8" marL="4114800">
+            <a:lvl9pPr indent="-304800" lvl="8" marL="4114800" rtl="0">
               <a:spcBef>
                 <a:spcPts val="0"/>
               </a:spcBef>
@@ -3470,39 +3470,39 @@
             <a:normAutofit/>
           </a:bodyPr>
           <a:lstStyle>
-            <a:lvl1pPr lvl="0">
+            <a:lvl1pPr lvl="0" rtl="0">
               <a:buNone/>
               <a:defRPr/>
             </a:lvl1pPr>
-            <a:lvl2pPr lvl="1">
+            <a:lvl2pPr lvl="1" rtl="0">
               <a:buNone/>
               <a:defRPr/>
             </a:lvl2pPr>
-            <a:lvl3pPr lvl="2">
+            <a:lvl3pPr lvl="2" rtl="0">
               <a:buNone/>
               <a:defRPr/>
             </a:lvl3pPr>
-            <a:lvl4pPr lvl="3">
+            <a:lvl4pPr lvl="3" rtl="0">
               <a:buNone/>
               <a:defRPr/>
             </a:lvl4pPr>
-            <a:lvl5pPr lvl="4">
+            <a:lvl5pPr lvl="4" rtl="0">
               <a:buNone/>
               <a:defRPr/>
             </a:lvl5pPr>
-            <a:lvl6pPr lvl="5">
+            <a:lvl6pPr lvl="5" rtl="0">
               <a:buNone/>
               <a:defRPr/>
             </a:lvl6pPr>
-            <a:lvl7pPr lvl="6">
+            <a:lvl7pPr lvl="6" rtl="0">
               <a:buNone/>
               <a:defRPr/>
             </a:lvl7pPr>
-            <a:lvl8pPr lvl="7">
+            <a:lvl8pPr lvl="7" rtl="0">
               <a:buNone/>
               <a:defRPr/>
             </a:lvl8pPr>
-            <a:lvl9pPr lvl="8">
+            <a:lvl9pPr lvl="8" rtl="0">
               <a:buNone/>
               <a:defRPr/>
             </a:lvl9pPr>
@@ -3572,7 +3572,7 @@
             <a:normAutofit/>
           </a:bodyPr>
           <a:lstStyle>
-            <a:lvl1pPr lvl="0">
+            <a:lvl1pPr lvl="0" rtl="0">
               <a:spcBef>
                 <a:spcPts val="0"/>
               </a:spcBef>
@@ -3583,7 +3583,7 @@
               <a:buNone/>
               <a:defRPr/>
             </a:lvl1pPr>
-            <a:lvl2pPr lvl="1">
+            <a:lvl2pPr lvl="1" rtl="0">
               <a:spcBef>
                 <a:spcPts val="0"/>
               </a:spcBef>
@@ -3594,7 +3594,7 @@
               <a:buNone/>
               <a:defRPr/>
             </a:lvl2pPr>
-            <a:lvl3pPr lvl="2">
+            <a:lvl3pPr lvl="2" rtl="0">
               <a:spcBef>
                 <a:spcPts val="0"/>
               </a:spcBef>
@@ -3605,7 +3605,7 @@
               <a:buNone/>
               <a:defRPr/>
             </a:lvl3pPr>
-            <a:lvl4pPr lvl="3">
+            <a:lvl4pPr lvl="3" rtl="0">
               <a:spcBef>
                 <a:spcPts val="0"/>
               </a:spcBef>
@@ -3616,7 +3616,7 @@
               <a:buNone/>
               <a:defRPr/>
             </a:lvl4pPr>
-            <a:lvl5pPr lvl="4">
+            <a:lvl5pPr lvl="4" rtl="0">
               <a:spcBef>
                 <a:spcPts val="0"/>
               </a:spcBef>
@@ -3627,7 +3627,7 @@
               <a:buNone/>
               <a:defRPr/>
             </a:lvl5pPr>
-            <a:lvl6pPr lvl="5">
+            <a:lvl6pPr lvl="5" rtl="0">
               <a:spcBef>
                 <a:spcPts val="0"/>
               </a:spcBef>
@@ -3638,7 +3638,7 @@
               <a:buNone/>
               <a:defRPr/>
             </a:lvl6pPr>
-            <a:lvl7pPr lvl="6">
+            <a:lvl7pPr lvl="6" rtl="0">
               <a:spcBef>
                 <a:spcPts val="0"/>
               </a:spcBef>
@@ -3649,7 +3649,7 @@
               <a:buNone/>
               <a:defRPr/>
             </a:lvl7pPr>
-            <a:lvl8pPr lvl="7">
+            <a:lvl8pPr lvl="7" rtl="0">
               <a:spcBef>
                 <a:spcPts val="0"/>
               </a:spcBef>
@@ -3660,7 +3660,7 @@
               <a:buNone/>
               <a:defRPr/>
             </a:lvl8pPr>
-            <a:lvl9pPr lvl="8">
+            <a:lvl9pPr lvl="8" rtl="0">
               <a:spcBef>
                 <a:spcPts val="0"/>
               </a:spcBef>
@@ -3697,39 +3697,39 @@
             <a:normAutofit/>
           </a:bodyPr>
           <a:lstStyle>
-            <a:lvl1pPr lvl="0">
+            <a:lvl1pPr lvl="0" rtl="0">
               <a:buNone/>
               <a:defRPr/>
             </a:lvl1pPr>
-            <a:lvl2pPr lvl="1">
+            <a:lvl2pPr lvl="1" rtl="0">
               <a:buNone/>
               <a:defRPr/>
             </a:lvl2pPr>
-            <a:lvl3pPr lvl="2">
+            <a:lvl3pPr lvl="2" rtl="0">
               <a:buNone/>
               <a:defRPr/>
             </a:lvl3pPr>
-            <a:lvl4pPr lvl="3">
+            <a:lvl4pPr lvl="3" rtl="0">
               <a:buNone/>
               <a:defRPr/>
             </a:lvl4pPr>
-            <a:lvl5pPr lvl="4">
+            <a:lvl5pPr lvl="4" rtl="0">
               <a:buNone/>
               <a:defRPr/>
             </a:lvl5pPr>
-            <a:lvl6pPr lvl="5">
+            <a:lvl6pPr lvl="5" rtl="0">
               <a:buNone/>
               <a:defRPr/>
             </a:lvl6pPr>
-            <a:lvl7pPr lvl="6">
+            <a:lvl7pPr lvl="6" rtl="0">
               <a:buNone/>
               <a:defRPr/>
             </a:lvl7pPr>
-            <a:lvl8pPr lvl="7">
+            <a:lvl8pPr lvl="7" rtl="0">
               <a:buNone/>
               <a:defRPr/>
             </a:lvl8pPr>
-            <a:lvl9pPr lvl="8">
+            <a:lvl9pPr lvl="8" rtl="0">
               <a:buNone/>
               <a:defRPr/>
             </a:lvl9pPr>
@@ -3799,7 +3799,7 @@
             <a:normAutofit/>
           </a:bodyPr>
           <a:lstStyle>
-            <a:lvl1pPr lvl="0">
+            <a:lvl1pPr lvl="0" rtl="0">
               <a:spcBef>
                 <a:spcPts val="0"/>
               </a:spcBef>
@@ -3810,7 +3810,7 @@
               <a:buNone/>
               <a:defRPr sz="2400"/>
             </a:lvl1pPr>
-            <a:lvl2pPr lvl="1">
+            <a:lvl2pPr lvl="1" rtl="0">
               <a:spcBef>
                 <a:spcPts val="0"/>
               </a:spcBef>
@@ -3821,7 +3821,7 @@
               <a:buNone/>
               <a:defRPr sz="2400"/>
             </a:lvl2pPr>
-            <a:lvl3pPr lvl="2">
+            <a:lvl3pPr lvl="2" rtl="0">
               <a:spcBef>
                 <a:spcPts val="0"/>
               </a:spcBef>
@@ -3832,7 +3832,7 @@
               <a:buNone/>
               <a:defRPr sz="2400"/>
             </a:lvl3pPr>
-            <a:lvl4pPr lvl="3">
+            <a:lvl4pPr lvl="3" rtl="0">
               <a:spcBef>
                 <a:spcPts val="0"/>
               </a:spcBef>
@@ -3843,7 +3843,7 @@
               <a:buNone/>
               <a:defRPr sz="2400"/>
             </a:lvl4pPr>
-            <a:lvl5pPr lvl="4">
+            <a:lvl5pPr lvl="4" rtl="0">
               <a:spcBef>
                 <a:spcPts val="0"/>
               </a:spcBef>
@@ -3854,7 +3854,7 @@
               <a:buNone/>
               <a:defRPr sz="2400"/>
             </a:lvl5pPr>
-            <a:lvl6pPr lvl="5">
+            <a:lvl6pPr lvl="5" rtl="0">
               <a:spcBef>
                 <a:spcPts val="0"/>
               </a:spcBef>
@@ -3865,7 +3865,7 @@
               <a:buNone/>
               <a:defRPr sz="2400"/>
             </a:lvl6pPr>
-            <a:lvl7pPr lvl="6">
+            <a:lvl7pPr lvl="6" rtl="0">
               <a:spcBef>
                 <a:spcPts val="0"/>
               </a:spcBef>
@@ -3876,7 +3876,7 @@
               <a:buNone/>
               <a:defRPr sz="2400"/>
             </a:lvl7pPr>
-            <a:lvl8pPr lvl="7">
+            <a:lvl8pPr lvl="7" rtl="0">
               <a:spcBef>
                 <a:spcPts val="0"/>
               </a:spcBef>
@@ -3887,7 +3887,7 @@
               <a:buNone/>
               <a:defRPr sz="2400"/>
             </a:lvl8pPr>
-            <a:lvl9pPr lvl="8">
+            <a:lvl9pPr lvl="8" rtl="0">
               <a:spcBef>
                 <a:spcPts val="0"/>
               </a:spcBef>
@@ -3924,7 +3924,7 @@
             <a:normAutofit/>
           </a:bodyPr>
           <a:lstStyle>
-            <a:lvl1pPr indent="-304800" lvl="0" marL="457200">
+            <a:lvl1pPr indent="-304800" lvl="0" marL="457200" rtl="0">
               <a:spcBef>
                 <a:spcPts val="0"/>
               </a:spcBef>
@@ -3935,7 +3935,7 @@
               <a:buChar char="●"/>
               <a:defRPr sz="1200"/>
             </a:lvl1pPr>
-            <a:lvl2pPr indent="-304800" lvl="1" marL="914400">
+            <a:lvl2pPr indent="-304800" lvl="1" marL="914400" rtl="0">
               <a:spcBef>
                 <a:spcPts val="0"/>
               </a:spcBef>
@@ -3946,7 +3946,7 @@
               <a:buChar char="○"/>
               <a:defRPr sz="1200"/>
             </a:lvl2pPr>
-            <a:lvl3pPr indent="-304800" lvl="2" marL="1371600">
+            <a:lvl3pPr indent="-304800" lvl="2" marL="1371600" rtl="0">
               <a:spcBef>
                 <a:spcPts val="0"/>
               </a:spcBef>
@@ -3957,7 +3957,7 @@
               <a:buChar char="■"/>
               <a:defRPr sz="1200"/>
             </a:lvl3pPr>
-            <a:lvl4pPr indent="-304800" lvl="3" marL="1828800">
+            <a:lvl4pPr indent="-304800" lvl="3" marL="1828800" rtl="0">
               <a:spcBef>
                 <a:spcPts val="0"/>
               </a:spcBef>
@@ -3968,7 +3968,7 @@
               <a:buChar char="●"/>
               <a:defRPr sz="1200"/>
             </a:lvl4pPr>
-            <a:lvl5pPr indent="-304800" lvl="4" marL="2286000">
+            <a:lvl5pPr indent="-304800" lvl="4" marL="2286000" rtl="0">
               <a:spcBef>
                 <a:spcPts val="0"/>
               </a:spcBef>
@@ -3979,7 +3979,7 @@
               <a:buChar char="○"/>
               <a:defRPr sz="1200"/>
             </a:lvl5pPr>
-            <a:lvl6pPr indent="-304800" lvl="5" marL="2743200">
+            <a:lvl6pPr indent="-304800" lvl="5" marL="2743200" rtl="0">
               <a:spcBef>
                 <a:spcPts val="0"/>
               </a:spcBef>
@@ -3990,7 +3990,7 @@
               <a:buChar char="■"/>
               <a:defRPr sz="1200"/>
             </a:lvl6pPr>
-            <a:lvl7pPr indent="-304800" lvl="6" marL="3200400">
+            <a:lvl7pPr indent="-304800" lvl="6" marL="3200400" rtl="0">
               <a:spcBef>
                 <a:spcPts val="0"/>
               </a:spcBef>
@@ -4001,7 +4001,7 @@
               <a:buChar char="●"/>
               <a:defRPr sz="1200"/>
             </a:lvl7pPr>
-            <a:lvl8pPr indent="-304800" lvl="7" marL="3657600">
+            <a:lvl8pPr indent="-304800" lvl="7" marL="3657600" rtl="0">
               <a:spcBef>
                 <a:spcPts val="0"/>
               </a:spcBef>
@@ -4012,7 +4012,7 @@
               <a:buChar char="○"/>
               <a:defRPr sz="1200"/>
             </a:lvl8pPr>
-            <a:lvl9pPr indent="-304800" lvl="8" marL="4114800">
+            <a:lvl9pPr indent="-304800" lvl="8" marL="4114800" rtl="0">
               <a:spcBef>
                 <a:spcPts val="0"/>
               </a:spcBef>
@@ -4049,39 +4049,39 @@
             <a:normAutofit/>
           </a:bodyPr>
           <a:lstStyle>
-            <a:lvl1pPr lvl="0">
+            <a:lvl1pPr lvl="0" rtl="0">
               <a:buNone/>
               <a:defRPr/>
             </a:lvl1pPr>
-            <a:lvl2pPr lvl="1">
+            <a:lvl2pPr lvl="1" rtl="0">
               <a:buNone/>
               <a:defRPr/>
             </a:lvl2pPr>
-            <a:lvl3pPr lvl="2">
+            <a:lvl3pPr lvl="2" rtl="0">
               <a:buNone/>
               <a:defRPr/>
             </a:lvl3pPr>
-            <a:lvl4pPr lvl="3">
+            <a:lvl4pPr lvl="3" rtl="0">
               <a:buNone/>
               <a:defRPr/>
             </a:lvl4pPr>
-            <a:lvl5pPr lvl="4">
+            <a:lvl5pPr lvl="4" rtl="0">
               <a:buNone/>
               <a:defRPr/>
             </a:lvl5pPr>
-            <a:lvl6pPr lvl="5">
+            <a:lvl6pPr lvl="5" rtl="0">
               <a:buNone/>
               <a:defRPr/>
             </a:lvl6pPr>
-            <a:lvl7pPr lvl="6">
+            <a:lvl7pPr lvl="6" rtl="0">
               <a:buNone/>
               <a:defRPr/>
             </a:lvl7pPr>
-            <a:lvl8pPr lvl="7">
+            <a:lvl8pPr lvl="7" rtl="0">
               <a:buNone/>
               <a:defRPr/>
             </a:lvl8pPr>
-            <a:lvl9pPr lvl="8">
+            <a:lvl9pPr lvl="8" rtl="0">
               <a:buNone/>
               <a:defRPr/>
             </a:lvl9pPr>
@@ -4158,7 +4158,7 @@
             <a:normAutofit/>
           </a:bodyPr>
           <a:lstStyle>
-            <a:lvl1pPr lvl="0">
+            <a:lvl1pPr lvl="0" rtl="0">
               <a:spcBef>
                 <a:spcPts val="0"/>
               </a:spcBef>
@@ -4176,7 +4176,7 @@
                 </a:solidFill>
               </a:defRPr>
             </a:lvl1pPr>
-            <a:lvl2pPr lvl="1">
+            <a:lvl2pPr lvl="1" rtl="0">
               <a:spcBef>
                 <a:spcPts val="0"/>
               </a:spcBef>
@@ -4194,7 +4194,7 @@
                 </a:solidFill>
               </a:defRPr>
             </a:lvl2pPr>
-            <a:lvl3pPr lvl="2">
+            <a:lvl3pPr lvl="2" rtl="0">
               <a:spcBef>
                 <a:spcPts val="0"/>
               </a:spcBef>
@@ -4212,7 +4212,7 @@
                 </a:solidFill>
               </a:defRPr>
             </a:lvl3pPr>
-            <a:lvl4pPr lvl="3">
+            <a:lvl4pPr lvl="3" rtl="0">
               <a:spcBef>
                 <a:spcPts val="0"/>
               </a:spcBef>
@@ -4230,7 +4230,7 @@
                 </a:solidFill>
               </a:defRPr>
             </a:lvl4pPr>
-            <a:lvl5pPr lvl="4">
+            <a:lvl5pPr lvl="4" rtl="0">
               <a:spcBef>
                 <a:spcPts val="0"/>
               </a:spcBef>
@@ -4248,7 +4248,7 @@
                 </a:solidFill>
               </a:defRPr>
             </a:lvl5pPr>
-            <a:lvl6pPr lvl="5">
+            <a:lvl6pPr lvl="5" rtl="0">
               <a:spcBef>
                 <a:spcPts val="0"/>
               </a:spcBef>
@@ -4266,7 +4266,7 @@
                 </a:solidFill>
               </a:defRPr>
             </a:lvl6pPr>
-            <a:lvl7pPr lvl="6">
+            <a:lvl7pPr lvl="6" rtl="0">
               <a:spcBef>
                 <a:spcPts val="0"/>
               </a:spcBef>
@@ -4284,7 +4284,7 @@
                 </a:solidFill>
               </a:defRPr>
             </a:lvl7pPr>
-            <a:lvl8pPr lvl="7">
+            <a:lvl8pPr lvl="7" rtl="0">
               <a:spcBef>
                 <a:spcPts val="0"/>
               </a:spcBef>
@@ -4302,7 +4302,7 @@
                 </a:solidFill>
               </a:defRPr>
             </a:lvl8pPr>
-            <a:lvl9pPr lvl="8">
+            <a:lvl9pPr lvl="8" rtl="0">
               <a:spcBef>
                 <a:spcPts val="0"/>
               </a:spcBef>
@@ -4346,7 +4346,7 @@
             <a:normAutofit/>
           </a:bodyPr>
           <a:lstStyle>
-            <a:lvl1pPr lvl="0">
+            <a:lvl1pPr lvl="0" rtl="0">
               <a:buNone/>
               <a:defRPr>
                 <a:solidFill>
@@ -4354,7 +4354,7 @@
                 </a:solidFill>
               </a:defRPr>
             </a:lvl1pPr>
-            <a:lvl2pPr lvl="1">
+            <a:lvl2pPr lvl="1" rtl="0">
               <a:buNone/>
               <a:defRPr>
                 <a:solidFill>
@@ -4362,7 +4362,7 @@
                 </a:solidFill>
               </a:defRPr>
             </a:lvl2pPr>
-            <a:lvl3pPr lvl="2">
+            <a:lvl3pPr lvl="2" rtl="0">
               <a:buNone/>
               <a:defRPr>
                 <a:solidFill>
@@ -4370,7 +4370,7 @@
                 </a:solidFill>
               </a:defRPr>
             </a:lvl3pPr>
-            <a:lvl4pPr lvl="3">
+            <a:lvl4pPr lvl="3" rtl="0">
               <a:buNone/>
               <a:defRPr>
                 <a:solidFill>
@@ -4378,7 +4378,7 @@
                 </a:solidFill>
               </a:defRPr>
             </a:lvl4pPr>
-            <a:lvl5pPr lvl="4">
+            <a:lvl5pPr lvl="4" rtl="0">
               <a:buNone/>
               <a:defRPr>
                 <a:solidFill>
@@ -4386,7 +4386,7 @@
                 </a:solidFill>
               </a:defRPr>
             </a:lvl5pPr>
-            <a:lvl6pPr lvl="5">
+            <a:lvl6pPr lvl="5" rtl="0">
               <a:buNone/>
               <a:defRPr>
                 <a:solidFill>
@@ -4394,7 +4394,7 @@
                 </a:solidFill>
               </a:defRPr>
             </a:lvl6pPr>
-            <a:lvl7pPr lvl="6">
+            <a:lvl7pPr lvl="6" rtl="0">
               <a:buNone/>
               <a:defRPr>
                 <a:solidFill>
@@ -4402,7 +4402,7 @@
                 </a:solidFill>
               </a:defRPr>
             </a:lvl7pPr>
-            <a:lvl8pPr lvl="7">
+            <a:lvl8pPr lvl="7" rtl="0">
               <a:buNone/>
               <a:defRPr>
                 <a:solidFill>
@@ -4410,7 +4410,7 @@
                 </a:solidFill>
               </a:defRPr>
             </a:lvl8pPr>
-            <a:lvl9pPr lvl="8">
+            <a:lvl9pPr lvl="8" rtl="0">
               <a:buNone/>
               <a:defRPr>
                 <a:solidFill>
@@ -4553,7 +4553,7 @@
             <a:normAutofit/>
           </a:bodyPr>
           <a:lstStyle>
-            <a:lvl1pPr lvl="0" algn="ctr">
+            <a:lvl1pPr lvl="0" rtl="0" algn="ctr">
               <a:spcBef>
                 <a:spcPts val="0"/>
               </a:spcBef>
@@ -4564,7 +4564,7 @@
               <a:buNone/>
               <a:defRPr sz="4200"/>
             </a:lvl1pPr>
-            <a:lvl2pPr lvl="1" algn="ctr">
+            <a:lvl2pPr lvl="1" rtl="0" algn="ctr">
               <a:spcBef>
                 <a:spcPts val="0"/>
               </a:spcBef>
@@ -4575,7 +4575,7 @@
               <a:buNone/>
               <a:defRPr sz="4200"/>
             </a:lvl2pPr>
-            <a:lvl3pPr lvl="2" algn="ctr">
+            <a:lvl3pPr lvl="2" rtl="0" algn="ctr">
               <a:spcBef>
                 <a:spcPts val="0"/>
               </a:spcBef>
@@ -4586,7 +4586,7 @@
               <a:buNone/>
               <a:defRPr sz="4200"/>
             </a:lvl3pPr>
-            <a:lvl4pPr lvl="3" algn="ctr">
+            <a:lvl4pPr lvl="3" rtl="0" algn="ctr">
               <a:spcBef>
                 <a:spcPts val="0"/>
               </a:spcBef>
@@ -4597,7 +4597,7 @@
               <a:buNone/>
               <a:defRPr sz="4200"/>
             </a:lvl4pPr>
-            <a:lvl5pPr lvl="4" algn="ctr">
+            <a:lvl5pPr lvl="4" rtl="0" algn="ctr">
               <a:spcBef>
                 <a:spcPts val="0"/>
               </a:spcBef>
@@ -4608,7 +4608,7 @@
               <a:buNone/>
               <a:defRPr sz="4200"/>
             </a:lvl5pPr>
-            <a:lvl6pPr lvl="5" algn="ctr">
+            <a:lvl6pPr lvl="5" rtl="0" algn="ctr">
               <a:spcBef>
                 <a:spcPts val="0"/>
               </a:spcBef>
@@ -4619,7 +4619,7 @@
               <a:buNone/>
               <a:defRPr sz="4200"/>
             </a:lvl6pPr>
-            <a:lvl7pPr lvl="6" algn="ctr">
+            <a:lvl7pPr lvl="6" rtl="0" algn="ctr">
               <a:spcBef>
                 <a:spcPts val="0"/>
               </a:spcBef>
@@ -4630,7 +4630,7 @@
               <a:buNone/>
               <a:defRPr sz="4200"/>
             </a:lvl7pPr>
-            <a:lvl8pPr lvl="7" algn="ctr">
+            <a:lvl8pPr lvl="7" rtl="0" algn="ctr">
               <a:spcBef>
                 <a:spcPts val="0"/>
               </a:spcBef>
@@ -4641,7 +4641,7 @@
               <a:buNone/>
               <a:defRPr sz="4200"/>
             </a:lvl8pPr>
-            <a:lvl9pPr lvl="8" algn="ctr">
+            <a:lvl9pPr lvl="8" rtl="0" algn="ctr">
               <a:spcBef>
                 <a:spcPts val="0"/>
               </a:spcBef>
@@ -4678,7 +4678,7 @@
             <a:normAutofit/>
           </a:bodyPr>
           <a:lstStyle>
-            <a:lvl1pPr lvl="0" algn="ctr">
+            <a:lvl1pPr lvl="0" rtl="0" algn="ctr">
               <a:lnSpc>
                 <a:spcPct val="100000"/>
               </a:lnSpc>
@@ -4699,7 +4699,7 @@
                 </a:solidFill>
               </a:defRPr>
             </a:lvl1pPr>
-            <a:lvl2pPr lvl="1" algn="ctr">
+            <a:lvl2pPr lvl="1" rtl="0" algn="ctr">
               <a:lnSpc>
                 <a:spcPct val="100000"/>
               </a:lnSpc>
@@ -4720,7 +4720,7 @@
                 </a:solidFill>
               </a:defRPr>
             </a:lvl2pPr>
-            <a:lvl3pPr lvl="2" algn="ctr">
+            <a:lvl3pPr lvl="2" rtl="0" algn="ctr">
               <a:lnSpc>
                 <a:spcPct val="100000"/>
               </a:lnSpc>
@@ -4741,7 +4741,7 @@
                 </a:solidFill>
               </a:defRPr>
             </a:lvl3pPr>
-            <a:lvl4pPr lvl="3" algn="ctr">
+            <a:lvl4pPr lvl="3" rtl="0" algn="ctr">
               <a:lnSpc>
                 <a:spcPct val="100000"/>
               </a:lnSpc>
@@ -4762,7 +4762,7 @@
                 </a:solidFill>
               </a:defRPr>
             </a:lvl4pPr>
-            <a:lvl5pPr lvl="4" algn="ctr">
+            <a:lvl5pPr lvl="4" rtl="0" algn="ctr">
               <a:lnSpc>
                 <a:spcPct val="100000"/>
               </a:lnSpc>
@@ -4783,7 +4783,7 @@
                 </a:solidFill>
               </a:defRPr>
             </a:lvl5pPr>
-            <a:lvl6pPr lvl="5" algn="ctr">
+            <a:lvl6pPr lvl="5" rtl="0" algn="ctr">
               <a:lnSpc>
                 <a:spcPct val="100000"/>
               </a:lnSpc>
@@ -4804,7 +4804,7 @@
                 </a:solidFill>
               </a:defRPr>
             </a:lvl6pPr>
-            <a:lvl7pPr lvl="6" algn="ctr">
+            <a:lvl7pPr lvl="6" rtl="0" algn="ctr">
               <a:lnSpc>
                 <a:spcPct val="100000"/>
               </a:lnSpc>
@@ -4825,7 +4825,7 @@
                 </a:solidFill>
               </a:defRPr>
             </a:lvl7pPr>
-            <a:lvl8pPr lvl="7" algn="ctr">
+            <a:lvl8pPr lvl="7" rtl="0" algn="ctr">
               <a:lnSpc>
                 <a:spcPct val="100000"/>
               </a:lnSpc>
@@ -4846,7 +4846,7 @@
                 </a:solidFill>
               </a:defRPr>
             </a:lvl8pPr>
-            <a:lvl9pPr lvl="8" algn="ctr">
+            <a:lvl9pPr lvl="8" rtl="0" algn="ctr">
               <a:lnSpc>
                 <a:spcPct val="100000"/>
               </a:lnSpc>
@@ -4893,7 +4893,7 @@
             <a:normAutofit/>
           </a:bodyPr>
           <a:lstStyle>
-            <a:lvl1pPr indent="-342900" lvl="0" marL="457200">
+            <a:lvl1pPr indent="-342900" lvl="0" marL="457200" rtl="0">
               <a:spcBef>
                 <a:spcPts val="0"/>
               </a:spcBef>
@@ -4911,7 +4911,7 @@
                 </a:solidFill>
               </a:defRPr>
             </a:lvl1pPr>
-            <a:lvl2pPr indent="-317500" lvl="1" marL="914400">
+            <a:lvl2pPr indent="-317500" lvl="1" marL="914400" rtl="0">
               <a:spcBef>
                 <a:spcPts val="0"/>
               </a:spcBef>
@@ -4929,7 +4929,7 @@
                 </a:solidFill>
               </a:defRPr>
             </a:lvl2pPr>
-            <a:lvl3pPr indent="-317500" lvl="2" marL="1371600">
+            <a:lvl3pPr indent="-317500" lvl="2" marL="1371600" rtl="0">
               <a:spcBef>
                 <a:spcPts val="0"/>
               </a:spcBef>
@@ -4947,7 +4947,7 @@
                 </a:solidFill>
               </a:defRPr>
             </a:lvl3pPr>
-            <a:lvl4pPr indent="-317500" lvl="3" marL="1828800">
+            <a:lvl4pPr indent="-317500" lvl="3" marL="1828800" rtl="0">
               <a:spcBef>
                 <a:spcPts val="0"/>
               </a:spcBef>
@@ -4965,7 +4965,7 @@
                 </a:solidFill>
               </a:defRPr>
             </a:lvl4pPr>
-            <a:lvl5pPr indent="-317500" lvl="4" marL="2286000">
+            <a:lvl5pPr indent="-317500" lvl="4" marL="2286000" rtl="0">
               <a:spcBef>
                 <a:spcPts val="0"/>
               </a:spcBef>
@@ -4983,7 +4983,7 @@
                 </a:solidFill>
               </a:defRPr>
             </a:lvl5pPr>
-            <a:lvl6pPr indent="-317500" lvl="5" marL="2743200">
+            <a:lvl6pPr indent="-317500" lvl="5" marL="2743200" rtl="0">
               <a:spcBef>
                 <a:spcPts val="0"/>
               </a:spcBef>
@@ -5001,7 +5001,7 @@
                 </a:solidFill>
               </a:defRPr>
             </a:lvl6pPr>
-            <a:lvl7pPr indent="-317500" lvl="6" marL="3200400">
+            <a:lvl7pPr indent="-317500" lvl="6" marL="3200400" rtl="0">
               <a:spcBef>
                 <a:spcPts val="0"/>
               </a:spcBef>
@@ -5019,7 +5019,7 @@
                 </a:solidFill>
               </a:defRPr>
             </a:lvl7pPr>
-            <a:lvl8pPr indent="-317500" lvl="7" marL="3657600">
+            <a:lvl8pPr indent="-317500" lvl="7" marL="3657600" rtl="0">
               <a:spcBef>
                 <a:spcPts val="0"/>
               </a:spcBef>
@@ -5037,7 +5037,7 @@
                 </a:solidFill>
               </a:defRPr>
             </a:lvl8pPr>
-            <a:lvl9pPr indent="-317500" lvl="8" marL="4114800">
+            <a:lvl9pPr indent="-317500" lvl="8" marL="4114800" rtl="0">
               <a:spcBef>
                 <a:spcPts val="0"/>
               </a:spcBef>
@@ -5081,7 +5081,7 @@
             <a:normAutofit/>
           </a:bodyPr>
           <a:lstStyle>
-            <a:lvl1pPr lvl="0">
+            <a:lvl1pPr lvl="0" rtl="0">
               <a:buNone/>
               <a:defRPr>
                 <a:solidFill>
@@ -5089,7 +5089,7 @@
                 </a:solidFill>
               </a:defRPr>
             </a:lvl1pPr>
-            <a:lvl2pPr lvl="1">
+            <a:lvl2pPr lvl="1" rtl="0">
               <a:buNone/>
               <a:defRPr>
                 <a:solidFill>
@@ -5097,7 +5097,7 @@
                 </a:solidFill>
               </a:defRPr>
             </a:lvl2pPr>
-            <a:lvl3pPr lvl="2">
+            <a:lvl3pPr lvl="2" rtl="0">
               <a:buNone/>
               <a:defRPr>
                 <a:solidFill>
@@ -5105,7 +5105,7 @@
                 </a:solidFill>
               </a:defRPr>
             </a:lvl3pPr>
-            <a:lvl4pPr lvl="3">
+            <a:lvl4pPr lvl="3" rtl="0">
               <a:buNone/>
               <a:defRPr>
                 <a:solidFill>
@@ -5113,7 +5113,7 @@
                 </a:solidFill>
               </a:defRPr>
             </a:lvl4pPr>
-            <a:lvl5pPr lvl="4">
+            <a:lvl5pPr lvl="4" rtl="0">
               <a:buNone/>
               <a:defRPr>
                 <a:solidFill>
@@ -5121,7 +5121,7 @@
                 </a:solidFill>
               </a:defRPr>
             </a:lvl5pPr>
-            <a:lvl6pPr lvl="5">
+            <a:lvl6pPr lvl="5" rtl="0">
               <a:buNone/>
               <a:defRPr>
                 <a:solidFill>
@@ -5129,7 +5129,7 @@
                 </a:solidFill>
               </a:defRPr>
             </a:lvl6pPr>
-            <a:lvl7pPr lvl="6">
+            <a:lvl7pPr lvl="6" rtl="0">
               <a:buNone/>
               <a:defRPr>
                 <a:solidFill>
@@ -5137,7 +5137,7 @@
                 </a:solidFill>
               </a:defRPr>
             </a:lvl7pPr>
-            <a:lvl8pPr lvl="7">
+            <a:lvl8pPr lvl="7" rtl="0">
               <a:buNone/>
               <a:defRPr>
                 <a:solidFill>
@@ -5145,7 +5145,7 @@
                 </a:solidFill>
               </a:defRPr>
             </a:lvl8pPr>
-            <a:lvl9pPr lvl="8">
+            <a:lvl9pPr lvl="8" rtl="0">
               <a:buNone/>
               <a:defRPr>
                 <a:solidFill>
@@ -5219,7 +5219,7 @@
             <a:normAutofit/>
           </a:bodyPr>
           <a:lstStyle>
-            <a:lvl1pPr indent="-228600" lvl="0" marL="457200">
+            <a:lvl1pPr indent="-228600" lvl="0" marL="457200" rtl="0">
               <a:lnSpc>
                 <a:spcPct val="100000"/>
               </a:lnSpc>
@@ -5271,39 +5271,39 @@
             <a:normAutofit/>
           </a:bodyPr>
           <a:lstStyle>
-            <a:lvl1pPr lvl="0">
+            <a:lvl1pPr lvl="0" rtl="0">
               <a:buNone/>
               <a:defRPr/>
             </a:lvl1pPr>
-            <a:lvl2pPr lvl="1">
+            <a:lvl2pPr lvl="1" rtl="0">
               <a:buNone/>
               <a:defRPr/>
             </a:lvl2pPr>
-            <a:lvl3pPr lvl="2">
+            <a:lvl3pPr lvl="2" rtl="0">
               <a:buNone/>
               <a:defRPr/>
             </a:lvl3pPr>
-            <a:lvl4pPr lvl="3">
+            <a:lvl4pPr lvl="3" rtl="0">
               <a:buNone/>
               <a:defRPr/>
             </a:lvl4pPr>
-            <a:lvl5pPr lvl="4">
+            <a:lvl5pPr lvl="4" rtl="0">
               <a:buNone/>
               <a:defRPr/>
             </a:lvl5pPr>
-            <a:lvl6pPr lvl="5">
+            <a:lvl6pPr lvl="5" rtl="0">
               <a:buNone/>
               <a:defRPr/>
             </a:lvl6pPr>
-            <a:lvl7pPr lvl="6">
+            <a:lvl7pPr lvl="6" rtl="0">
               <a:buNone/>
               <a:defRPr/>
             </a:lvl7pPr>
-            <a:lvl8pPr lvl="7">
+            <a:lvl8pPr lvl="7" rtl="0">
               <a:buNone/>
               <a:defRPr/>
             </a:lvl8pPr>
-            <a:lvl9pPr lvl="8">
+            <a:lvl9pPr lvl="8" rtl="0">
               <a:buNone/>
               <a:defRPr/>
             </a:lvl9pPr>
@@ -5384,7 +5384,7 @@
             <a:normAutofit/>
           </a:bodyPr>
           <a:lstStyle>
-            <a:lvl1pPr lvl="0">
+            <a:lvl1pPr lvl="0" rtl="0">
               <a:spcBef>
                 <a:spcPts val="0"/>
               </a:spcBef>
@@ -5407,7 +5407,7 @@
                 <a:sym typeface="Oswald"/>
               </a:defRPr>
             </a:lvl1pPr>
-            <a:lvl2pPr lvl="1">
+            <a:lvl2pPr lvl="1" rtl="0">
               <a:spcBef>
                 <a:spcPts val="0"/>
               </a:spcBef>
@@ -5430,7 +5430,7 @@
                 <a:sym typeface="Oswald"/>
               </a:defRPr>
             </a:lvl2pPr>
-            <a:lvl3pPr lvl="2">
+            <a:lvl3pPr lvl="2" rtl="0">
               <a:spcBef>
                 <a:spcPts val="0"/>
               </a:spcBef>
@@ -5453,7 +5453,7 @@
                 <a:sym typeface="Oswald"/>
               </a:defRPr>
             </a:lvl3pPr>
-            <a:lvl4pPr lvl="3">
+            <a:lvl4pPr lvl="3" rtl="0">
               <a:spcBef>
                 <a:spcPts val="0"/>
               </a:spcBef>
@@ -5476,7 +5476,7 @@
                 <a:sym typeface="Oswald"/>
               </a:defRPr>
             </a:lvl4pPr>
-            <a:lvl5pPr lvl="4">
+            <a:lvl5pPr lvl="4" rtl="0">
               <a:spcBef>
                 <a:spcPts val="0"/>
               </a:spcBef>
@@ -5499,7 +5499,7 @@
                 <a:sym typeface="Oswald"/>
               </a:defRPr>
             </a:lvl5pPr>
-            <a:lvl6pPr lvl="5">
+            <a:lvl6pPr lvl="5" rtl="0">
               <a:spcBef>
                 <a:spcPts val="0"/>
               </a:spcBef>
@@ -5522,7 +5522,7 @@
                 <a:sym typeface="Oswald"/>
               </a:defRPr>
             </a:lvl6pPr>
-            <a:lvl7pPr lvl="6">
+            <a:lvl7pPr lvl="6" rtl="0">
               <a:spcBef>
                 <a:spcPts val="0"/>
               </a:spcBef>
@@ -5545,7 +5545,7 @@
                 <a:sym typeface="Oswald"/>
               </a:defRPr>
             </a:lvl7pPr>
-            <a:lvl8pPr lvl="7">
+            <a:lvl8pPr lvl="7" rtl="0">
               <a:spcBef>
                 <a:spcPts val="0"/>
               </a:spcBef>
@@ -5568,7 +5568,7 @@
                 <a:sym typeface="Oswald"/>
               </a:defRPr>
             </a:lvl8pPr>
-            <a:lvl9pPr lvl="8">
+            <a:lvl9pPr lvl="8" rtl="0">
               <a:spcBef>
                 <a:spcPts val="0"/>
               </a:spcBef>
@@ -5621,7 +5621,7 @@
             <a:normAutofit/>
           </a:bodyPr>
           <a:lstStyle>
-            <a:lvl1pPr indent="-342900" lvl="0" marL="457200">
+            <a:lvl1pPr indent="-342900" lvl="0" marL="457200" rtl="0">
               <a:lnSpc>
                 <a:spcPct val="115000"/>
               </a:lnSpc>
@@ -5647,7 +5647,7 @@
                 <a:sym typeface="Average"/>
               </a:defRPr>
             </a:lvl1pPr>
-            <a:lvl2pPr indent="-317500" lvl="1" marL="914400">
+            <a:lvl2pPr indent="-317500" lvl="1" marL="914400" rtl="0">
               <a:lnSpc>
                 <a:spcPct val="115000"/>
               </a:lnSpc>
@@ -5673,7 +5673,7 @@
                 <a:sym typeface="Average"/>
               </a:defRPr>
             </a:lvl2pPr>
-            <a:lvl3pPr indent="-317500" lvl="2" marL="1371600">
+            <a:lvl3pPr indent="-317500" lvl="2" marL="1371600" rtl="0">
               <a:lnSpc>
                 <a:spcPct val="115000"/>
               </a:lnSpc>
@@ -5699,7 +5699,7 @@
                 <a:sym typeface="Average"/>
               </a:defRPr>
             </a:lvl3pPr>
-            <a:lvl4pPr indent="-317500" lvl="3" marL="1828800">
+            <a:lvl4pPr indent="-317500" lvl="3" marL="1828800" rtl="0">
               <a:lnSpc>
                 <a:spcPct val="115000"/>
               </a:lnSpc>
@@ -5725,7 +5725,7 @@
                 <a:sym typeface="Average"/>
               </a:defRPr>
             </a:lvl4pPr>
-            <a:lvl5pPr indent="-317500" lvl="4" marL="2286000">
+            <a:lvl5pPr indent="-317500" lvl="4" marL="2286000" rtl="0">
               <a:lnSpc>
                 <a:spcPct val="115000"/>
               </a:lnSpc>
@@ -5751,7 +5751,7 @@
                 <a:sym typeface="Average"/>
               </a:defRPr>
             </a:lvl5pPr>
-            <a:lvl6pPr indent="-317500" lvl="5" marL="2743200">
+            <a:lvl6pPr indent="-317500" lvl="5" marL="2743200" rtl="0">
               <a:lnSpc>
                 <a:spcPct val="115000"/>
               </a:lnSpc>
@@ -5777,7 +5777,7 @@
                 <a:sym typeface="Average"/>
               </a:defRPr>
             </a:lvl6pPr>
-            <a:lvl7pPr indent="-317500" lvl="6" marL="3200400">
+            <a:lvl7pPr indent="-317500" lvl="6" marL="3200400" rtl="0">
               <a:lnSpc>
                 <a:spcPct val="115000"/>
               </a:lnSpc>
@@ -5803,7 +5803,7 @@
                 <a:sym typeface="Average"/>
               </a:defRPr>
             </a:lvl7pPr>
-            <a:lvl8pPr indent="-317500" lvl="7" marL="3657600">
+            <a:lvl8pPr indent="-317500" lvl="7" marL="3657600" rtl="0">
               <a:lnSpc>
                 <a:spcPct val="115000"/>
               </a:lnSpc>
@@ -5829,7 +5829,7 @@
                 <a:sym typeface="Average"/>
               </a:defRPr>
             </a:lvl8pPr>
-            <a:lvl9pPr indent="-317500" lvl="8" marL="4114800">
+            <a:lvl9pPr indent="-317500" lvl="8" marL="4114800" rtl="0">
               <a:lnSpc>
                 <a:spcPct val="115000"/>
               </a:lnSpc>
@@ -5885,7 +5885,7 @@
             <a:normAutofit/>
           </a:bodyPr>
           <a:lstStyle>
-            <a:lvl1pPr lvl="0" algn="r">
+            <a:lvl1pPr lvl="0" rtl="0" algn="r">
               <a:buNone/>
               <a:defRPr sz="1000">
                 <a:solidFill>
@@ -5897,7 +5897,7 @@
                 <a:sym typeface="Average"/>
               </a:defRPr>
             </a:lvl1pPr>
-            <a:lvl2pPr lvl="1" algn="r">
+            <a:lvl2pPr lvl="1" rtl="0" algn="r">
               <a:buNone/>
               <a:defRPr sz="1000">
                 <a:solidFill>
@@ -5909,7 +5909,7 @@
                 <a:sym typeface="Average"/>
               </a:defRPr>
             </a:lvl2pPr>
-            <a:lvl3pPr lvl="2" algn="r">
+            <a:lvl3pPr lvl="2" rtl="0" algn="r">
               <a:buNone/>
               <a:defRPr sz="1000">
                 <a:solidFill>
@@ -5921,7 +5921,7 @@
                 <a:sym typeface="Average"/>
               </a:defRPr>
             </a:lvl3pPr>
-            <a:lvl4pPr lvl="3" algn="r">
+            <a:lvl4pPr lvl="3" rtl="0" algn="r">
               <a:buNone/>
               <a:defRPr sz="1000">
                 <a:solidFill>
@@ -5933,7 +5933,7 @@
                 <a:sym typeface="Average"/>
               </a:defRPr>
             </a:lvl4pPr>
-            <a:lvl5pPr lvl="4" algn="r">
+            <a:lvl5pPr lvl="4" rtl="0" algn="r">
               <a:buNone/>
               <a:defRPr sz="1000">
                 <a:solidFill>
@@ -5945,7 +5945,7 @@
                 <a:sym typeface="Average"/>
               </a:defRPr>
             </a:lvl5pPr>
-            <a:lvl6pPr lvl="5" algn="r">
+            <a:lvl6pPr lvl="5" rtl="0" algn="r">
               <a:buNone/>
               <a:defRPr sz="1000">
                 <a:solidFill>
@@ -5957,7 +5957,7 @@
                 <a:sym typeface="Average"/>
               </a:defRPr>
             </a:lvl6pPr>
-            <a:lvl7pPr lvl="6" algn="r">
+            <a:lvl7pPr lvl="6" rtl="0" algn="r">
               <a:buNone/>
               <a:defRPr sz="1000">
                 <a:solidFill>
@@ -5969,7 +5969,7 @@
                 <a:sym typeface="Average"/>
               </a:defRPr>
             </a:lvl7pPr>
-            <a:lvl8pPr lvl="7" algn="r">
+            <a:lvl8pPr lvl="7" rtl="0" algn="r">
               <a:buNone/>
               <a:defRPr sz="1000">
                 <a:solidFill>
@@ -5981,7 +5981,7 @@
                 <a:sym typeface="Average"/>
               </a:defRPr>
             </a:lvl8pPr>
-            <a:lvl9pPr lvl="8" algn="r">
+            <a:lvl9pPr lvl="8" rtl="0" algn="r">
               <a:buNone/>
               <a:defRPr sz="1000">
                 <a:solidFill>
@@ -7606,8 +7606,8 @@
         </p:blipFill>
         <p:spPr>
           <a:xfrm>
-            <a:off x="1255475" y="1332125"/>
-            <a:ext cx="6671200" cy="3759575"/>
+            <a:off x="1215451" y="1287725"/>
+            <a:ext cx="6653149" cy="3749400"/>
           </a:xfrm>
           <a:prstGeom prst="rect">
             <a:avLst/>
